--- a/Alpha presentation.pptx
+++ b/Alpha presentation.pptx
@@ -6313,15 +6313,79 @@
           <a:lstStyle/>
           <a:p>
             <a:r>
+              <a:rPr lang="fr-FR" dirty="0"/>
+              <a:t>The </a:t>
+            </a:r>
+            <a:r>
+              <a:rPr lang="fr-FR" dirty="0" err="1"/>
+              <a:t>game</a:t>
+            </a:r>
+            <a:r>
+              <a:rPr lang="fr-FR" dirty="0"/>
+              <a:t> has a </a:t>
+            </a:r>
+            <a:r>
               <a:rPr lang="fr-FR" dirty="0" err="1"/>
               <a:t>Metroidvania</a:t>
             </a:r>
             <a:r>
               <a:rPr lang="fr-FR" dirty="0"/>
-              <a:t> style.</a:t>
-            </a:r>
-          </a:p>
-          <a:p>
+              <a:t> style. (In </a:t>
+            </a:r>
+            <a:r>
+              <a:rPr lang="fr-FR" dirty="0" err="1"/>
+              <a:t>which</a:t>
+            </a:r>
+            <a:r>
+              <a:rPr lang="fr-FR" dirty="0"/>
+              <a:t> </a:t>
+            </a:r>
+            <a:r>
+              <a:rPr lang="fr-FR" dirty="0" err="1"/>
+              <a:t>involves</a:t>
+            </a:r>
+            <a:r>
+              <a:rPr lang="fr-FR" dirty="0"/>
+              <a:t> a </a:t>
+            </a:r>
+            <a:r>
+              <a:rPr lang="fr-FR" dirty="0" err="1"/>
+              <a:t>huge</a:t>
+            </a:r>
+            <a:r>
+              <a:rPr lang="fr-FR" dirty="0"/>
+              <a:t> </a:t>
+            </a:r>
+            <a:r>
+              <a:rPr lang="fr-FR" dirty="0" err="1"/>
+              <a:t>map</a:t>
+            </a:r>
+            <a:r>
+              <a:rPr lang="fr-FR" dirty="0"/>
+              <a:t> </a:t>
+            </a:r>
+            <a:r>
+              <a:rPr lang="fr-FR" dirty="0" err="1"/>
+              <a:t>with</a:t>
+            </a:r>
+            <a:r>
+              <a:rPr lang="fr-FR" dirty="0"/>
+              <a:t> </a:t>
+            </a:r>
+            <a:r>
+              <a:rPr lang="fr-FR" dirty="0" err="1"/>
+              <a:t>your</a:t>
+            </a:r>
+            <a:r>
+              <a:rPr lang="fr-FR" dirty="0"/>
+              <a:t> screen scrolling).</a:t>
+            </a:r>
+          </a:p>
+          <a:p>
+            <a:r>
+              <a:rPr lang="fr-FR" dirty="0"/>
+              <a:t>It </a:t>
+            </a:r>
             <a:r>
               <a:rPr lang="fr-FR" dirty="0" err="1"/>
               <a:t>Includes</a:t>
@@ -6366,19 +6430,13 @@
           <a:p>
             <a:r>
               <a:rPr lang="fr-FR" dirty="0"/>
-              <a:t>Pixel Art style.</a:t>
+              <a:t>It has Pixel Art style.</a:t>
             </a:r>
           </a:p>
           <a:p>
             <a:r>
               <a:rPr lang="fr-FR" dirty="0"/>
-              <a:t>3 Levels</a:t>
-            </a:r>
-          </a:p>
-          <a:p>
-            <a:r>
-              <a:rPr lang="fr-FR" dirty="0"/>
-              <a:t>First </a:t>
+              <a:t>It has 3 Levels, the First </a:t>
             </a:r>
             <a:r>
               <a:rPr lang="fr-FR" dirty="0" err="1"/>
@@ -6386,7 +6444,31 @@
             </a:r>
             <a:r>
               <a:rPr lang="fr-FR" dirty="0"/>
-              <a:t> Tutorial.</a:t>
+              <a:t> </a:t>
+            </a:r>
+            <a:r>
+              <a:rPr lang="fr-FR" dirty="0" err="1"/>
+              <a:t>is</a:t>
+            </a:r>
+            <a:r>
+              <a:rPr lang="fr-FR" dirty="0"/>
+              <a:t> a Tutorial, the second and </a:t>
+            </a:r>
+            <a:r>
+              <a:rPr lang="fr-FR" dirty="0" err="1"/>
+              <a:t>third</a:t>
+            </a:r>
+            <a:r>
+              <a:rPr lang="fr-FR" dirty="0"/>
+              <a:t> </a:t>
+            </a:r>
+            <a:r>
+              <a:rPr lang="fr-FR" dirty="0" err="1"/>
+              <a:t>levels</a:t>
+            </a:r>
+            <a:r>
+              <a:rPr lang="fr-FR" dirty="0"/>
+              <a:t> are normal gameplay.</a:t>
             </a:r>
             <a:endParaRPr lang="fr-CA" dirty="0"/>
           </a:p>
@@ -6949,6 +7031,54 @@
             </a:r>
             <a:r>
               <a:rPr lang="fr-FR" dirty="0"/>
+              <a:t>: light </a:t>
+            </a:r>
+            <a:r>
+              <a:rPr lang="fr-FR" dirty="0" err="1"/>
+              <a:t>attacks</a:t>
+            </a:r>
+            <a:r>
+              <a:rPr lang="fr-FR" dirty="0"/>
+              <a:t> and </a:t>
+            </a:r>
+            <a:r>
+              <a:rPr lang="fr-FR" dirty="0" err="1"/>
+              <a:t>heavy</a:t>
+            </a:r>
+            <a:r>
+              <a:rPr lang="fr-FR" dirty="0"/>
+              <a:t> </a:t>
+            </a:r>
+            <a:r>
+              <a:rPr lang="fr-FR" dirty="0" err="1"/>
+              <a:t>attacks</a:t>
+            </a:r>
+            <a:r>
+              <a:rPr lang="fr-FR" dirty="0"/>
+              <a:t>, </a:t>
+            </a:r>
+            <a:r>
+              <a:rPr lang="fr-FR" dirty="0" err="1"/>
+              <a:t>with</a:t>
+            </a:r>
+            <a:r>
+              <a:rPr lang="fr-FR" dirty="0"/>
+              <a:t> a </a:t>
+            </a:r>
+            <a:r>
+              <a:rPr lang="fr-FR" dirty="0" err="1"/>
+              <a:t>cooldown</a:t>
+            </a:r>
+            <a:r>
+              <a:rPr lang="fr-FR" dirty="0"/>
+              <a:t> for </a:t>
+            </a:r>
+            <a:r>
+              <a:rPr lang="fr-FR" dirty="0" err="1"/>
+              <a:t>heavy</a:t>
+            </a:r>
+            <a:r>
+              <a:rPr lang="fr-FR" dirty="0"/>
               <a:t>.</a:t>
             </a:r>
           </a:p>
@@ -6967,13 +7097,11 @@
             </a:r>
             <a:r>
               <a:rPr lang="fr-FR" dirty="0"/>
-              <a:t> AI</a:t>
-            </a:r>
-          </a:p>
-          <a:p>
+              <a:t> AI to </a:t>
+            </a:r>
             <a:r>
               <a:rPr lang="fr-FR" dirty="0" err="1"/>
-              <a:t>Might</a:t>
+              <a:t>make</a:t>
             </a:r>
             <a:r>
               <a:rPr lang="fr-FR" dirty="0"/>
@@ -6981,11 +7109,73 @@
             </a:r>
             <a:r>
               <a:rPr lang="fr-FR" dirty="0" err="1"/>
+              <a:t>them</a:t>
+            </a:r>
+            <a:r>
+              <a:rPr lang="fr-FR" dirty="0"/>
+              <a:t> move and/or </a:t>
+            </a:r>
+            <a:r>
+              <a:rPr lang="fr-FR" dirty="0" err="1"/>
+              <a:t>attack</a:t>
+            </a:r>
+            <a:r>
+              <a:rPr lang="fr-FR" dirty="0"/>
+              <a:t> </a:t>
+            </a:r>
+            <a:r>
+              <a:rPr lang="fr-FR" dirty="0" err="1"/>
+              <a:t>depending</a:t>
+            </a:r>
+            <a:r>
+              <a:rPr lang="fr-FR" dirty="0"/>
+              <a:t> on the </a:t>
+            </a:r>
+            <a:r>
+              <a:rPr lang="fr-FR" dirty="0" err="1"/>
+              <a:t>player`s</a:t>
+            </a:r>
+            <a:r>
+              <a:rPr lang="fr-FR" dirty="0"/>
+              <a:t> location</a:t>
+            </a:r>
+          </a:p>
+          <a:p>
+            <a:r>
+              <a:rPr lang="fr-FR" dirty="0"/>
+              <a:t>Due to time, </a:t>
+            </a:r>
+            <a:r>
+              <a:rPr lang="fr-FR" dirty="0" err="1"/>
+              <a:t>we</a:t>
+            </a:r>
+            <a:r>
+              <a:rPr lang="fr-FR" dirty="0"/>
+              <a:t> </a:t>
+            </a:r>
+            <a:r>
+              <a:rPr lang="fr-FR" dirty="0" err="1"/>
+              <a:t>might</a:t>
+            </a:r>
+            <a:r>
+              <a:rPr lang="fr-FR" dirty="0"/>
+              <a:t> </a:t>
+            </a:r>
+            <a:r>
+              <a:rPr lang="fr-FR" dirty="0" err="1"/>
               <a:t>only</a:t>
             </a:r>
             <a:r>
               <a:rPr lang="fr-FR" dirty="0"/>
-              <a:t> do 1-2 Levels.</a:t>
+              <a:t> do 1 to 2 Levels.(Tutorial and </a:t>
+            </a:r>
+            <a:r>
+              <a:rPr lang="fr-FR" dirty="0" err="1"/>
+              <a:t>Ants</a:t>
+            </a:r>
+            <a:r>
+              <a:rPr lang="fr-FR" dirty="0"/>
+              <a:t>` City).</a:t>
             </a:r>
           </a:p>
           <a:p>
@@ -7003,7 +7193,47 @@
             </a:r>
             <a:r>
               <a:rPr lang="fr-FR" dirty="0"/>
-              <a:t>.</a:t>
+              <a:t> to the </a:t>
+            </a:r>
+            <a:r>
+              <a:rPr lang="fr-FR" dirty="0" err="1"/>
+              <a:t>characters</a:t>
+            </a:r>
+            <a:r>
+              <a:rPr lang="fr-FR" dirty="0"/>
+              <a:t> and world </a:t>
+            </a:r>
+            <a:r>
+              <a:rPr lang="fr-FR" dirty="0" err="1"/>
+              <a:t>level</a:t>
+            </a:r>
+            <a:r>
+              <a:rPr lang="fr-FR" dirty="0"/>
+              <a:t> </a:t>
+            </a:r>
+            <a:r>
+              <a:rPr lang="fr-FR" dirty="0" err="1"/>
+              <a:t>depending</a:t>
+            </a:r>
+            <a:r>
+              <a:rPr lang="fr-FR" dirty="0"/>
+              <a:t> on the action(</a:t>
+            </a:r>
+            <a:r>
+              <a:rPr lang="fr-FR" dirty="0" err="1"/>
+              <a:t>character</a:t>
+            </a:r>
+            <a:r>
+              <a:rPr lang="fr-FR" dirty="0"/>
+              <a:t>) / world (</a:t>
+            </a:r>
+            <a:r>
+              <a:rPr lang="fr-FR" dirty="0" err="1"/>
+              <a:t>level</a:t>
+            </a:r>
+            <a:r>
+              <a:rPr lang="fr-FR" dirty="0"/>
+              <a:t>).</a:t>
             </a:r>
           </a:p>
           <a:p>
@@ -7096,16 +7326,44 @@
           <a:lstStyle/>
           <a:p>
             <a:r>
+              <a:rPr lang="fr-FR" dirty="0"/>
+              <a:t>It </a:t>
+            </a:r>
+            <a:r>
               <a:rPr lang="fr-FR" dirty="0" err="1"/>
-              <a:t>Missing</a:t>
+              <a:t>is</a:t>
             </a:r>
             <a:r>
               <a:rPr lang="fr-FR" dirty="0"/>
-              <a:t> time. (</a:t>
+              <a:t> the </a:t>
             </a:r>
             <a:r>
               <a:rPr lang="fr-FR" dirty="0" err="1"/>
-              <a:t>Personnal</a:t>
+              <a:t>almost</a:t>
+            </a:r>
+            <a:r>
+              <a:rPr lang="fr-FR" dirty="0"/>
+              <a:t> the end of the </a:t>
+            </a:r>
+            <a:r>
+              <a:rPr lang="fr-FR" dirty="0" err="1"/>
+              <a:t>semester</a:t>
+            </a:r>
+            <a:r>
+              <a:rPr lang="fr-FR" dirty="0"/>
+              <a:t>, </a:t>
+            </a:r>
+            <a:r>
+              <a:rPr lang="fr-FR" dirty="0" err="1"/>
+              <a:t>other</a:t>
+            </a:r>
+            <a:r>
+              <a:rPr lang="fr-FR" dirty="0"/>
+              <a:t> courses </a:t>
+            </a:r>
+            <a:r>
+              <a:rPr lang="fr-FR" dirty="0" err="1"/>
+              <a:t>assignments</a:t>
             </a:r>
             <a:r>
               <a:rPr lang="fr-FR" dirty="0"/>
@@ -7113,17 +7371,117 @@
             </a:r>
             <a:r>
               <a:rPr lang="fr-FR" dirty="0" err="1"/>
+              <a:t>makes</a:t>
+            </a:r>
+            <a:r>
+              <a:rPr lang="fr-FR" dirty="0"/>
+              <a:t> us have </a:t>
+            </a:r>
+            <a:r>
+              <a:rPr lang="fr-FR" dirty="0" err="1"/>
+              <a:t>less</a:t>
+            </a:r>
+            <a:r>
+              <a:rPr lang="fr-FR" dirty="0"/>
+              <a:t> time to </a:t>
+            </a:r>
+            <a:r>
+              <a:rPr lang="fr-FR" dirty="0" err="1"/>
               <a:t>work</a:t>
             </a:r>
             <a:r>
               <a:rPr lang="fr-FR" dirty="0"/>
-              <a:t>, etc.)</a:t>
-            </a:r>
-          </a:p>
-          <a:p>
-            <a:r>
-              <a:rPr lang="fr-FR"/>
-              <a:t>Platform collisions</a:t>
+              <a:t> on the </a:t>
+            </a:r>
+            <a:r>
+              <a:rPr lang="fr-FR" dirty="0" err="1"/>
+              <a:t>game</a:t>
+            </a:r>
+            <a:r>
+              <a:rPr lang="fr-FR" dirty="0"/>
+              <a:t>.</a:t>
+            </a:r>
+          </a:p>
+          <a:p>
+            <a:r>
+              <a:rPr lang="fr-FR" dirty="0" err="1"/>
+              <a:t>We</a:t>
+            </a:r>
+            <a:r>
+              <a:rPr lang="fr-FR" dirty="0"/>
+              <a:t> </a:t>
+            </a:r>
+            <a:r>
+              <a:rPr lang="fr-FR" dirty="0" err="1"/>
+              <a:t>took</a:t>
+            </a:r>
+            <a:r>
+              <a:rPr lang="fr-FR" dirty="0"/>
+              <a:t> over a </a:t>
+            </a:r>
+            <a:r>
+              <a:rPr lang="fr-FR" dirty="0" err="1"/>
+              <a:t>day</a:t>
+            </a:r>
+            <a:r>
+              <a:rPr lang="fr-FR" dirty="0"/>
+              <a:t> to figure the code </a:t>
+            </a:r>
+            <a:r>
+              <a:rPr lang="fr-FR" dirty="0" err="1"/>
+              <a:t>thaty</a:t>
+            </a:r>
+            <a:r>
+              <a:rPr lang="fr-FR" dirty="0"/>
+              <a:t> </a:t>
+            </a:r>
+            <a:r>
+              <a:rPr lang="fr-FR" dirty="0" err="1"/>
+              <a:t>allows</a:t>
+            </a:r>
+            <a:r>
+              <a:rPr lang="fr-FR" dirty="0"/>
+              <a:t> the main </a:t>
+            </a:r>
+            <a:r>
+              <a:rPr lang="fr-FR" dirty="0" err="1"/>
+              <a:t>character</a:t>
+            </a:r>
+            <a:r>
+              <a:rPr lang="fr-FR" dirty="0"/>
+              <a:t> to </a:t>
+            </a:r>
+            <a:r>
+              <a:rPr lang="fr-FR" dirty="0" err="1"/>
+              <a:t>stay</a:t>
+            </a:r>
+            <a:r>
+              <a:rPr lang="fr-FR" dirty="0"/>
+              <a:t> on top of the platform and not </a:t>
+            </a:r>
+            <a:r>
+              <a:rPr lang="fr-FR" dirty="0" err="1"/>
+              <a:t>make</a:t>
+            </a:r>
+            <a:r>
+              <a:rPr lang="fr-FR" dirty="0"/>
+              <a:t> </a:t>
+            </a:r>
+            <a:r>
+              <a:rPr lang="fr-FR" dirty="0" err="1"/>
+              <a:t>it</a:t>
+            </a:r>
+            <a:r>
+              <a:rPr lang="fr-FR" dirty="0"/>
+              <a:t> go </a:t>
+            </a:r>
+            <a:r>
+              <a:rPr lang="fr-FR" dirty="0" err="1"/>
+              <a:t>through</a:t>
+            </a:r>
+            <a:r>
+              <a:rPr lang="fr-FR" dirty="0"/>
+              <a:t>.</a:t>
             </a:r>
           </a:p>
         </p:txBody>

--- a/Alpha presentation.pptx
+++ b/Alpha presentation.pptx
@@ -304,7 +304,7 @@
           <a:p>
             <a:fld id="{84357196-18EA-461A-86F4-E2DEE28A9D5D}" type="datetimeFigureOut">
               <a:rPr lang="en-US" smtClean="0"/>
-              <a:t>12/6/2021</a:t>
+              <a:t>12/7/2021</a:t>
             </a:fld>
             <a:endParaRPr lang="en-US"/>
           </a:p>
@@ -346,7 +346,7 @@
           <a:p>
             <a:fld id="{1AADED3F-A815-44DB-A272-0EEF828F26E4}" type="slidenum">
               <a:rPr lang="en-US" smtClean="0"/>
-              <a:t>‹N°›</a:t>
+              <a:t>‹#›</a:t>
             </a:fld>
             <a:endParaRPr lang="en-US"/>
           </a:p>
@@ -602,7 +602,7 @@
           <a:p>
             <a:fld id="{84357196-18EA-461A-86F4-E2DEE28A9D5D}" type="datetimeFigureOut">
               <a:rPr lang="en-US" smtClean="0"/>
-              <a:t>12/6/2021</a:t>
+              <a:t>12/7/2021</a:t>
             </a:fld>
             <a:endParaRPr lang="en-US"/>
           </a:p>
@@ -644,7 +644,7 @@
           <a:p>
             <a:fld id="{1AADED3F-A815-44DB-A272-0EEF828F26E4}" type="slidenum">
               <a:rPr lang="en-US" smtClean="0"/>
-              <a:t>‹N°›</a:t>
+              <a:t>‹#›</a:t>
             </a:fld>
             <a:endParaRPr lang="en-US"/>
           </a:p>
@@ -794,7 +794,7 @@
           <a:p>
             <a:fld id="{84357196-18EA-461A-86F4-E2DEE28A9D5D}" type="datetimeFigureOut">
               <a:rPr lang="en-US" smtClean="0"/>
-              <a:t>12/6/2021</a:t>
+              <a:t>12/7/2021</a:t>
             </a:fld>
             <a:endParaRPr lang="en-US"/>
           </a:p>
@@ -836,7 +836,7 @@
           <a:p>
             <a:fld id="{1AADED3F-A815-44DB-A272-0EEF828F26E4}" type="slidenum">
               <a:rPr lang="en-US" smtClean="0"/>
-              <a:t>‹N°›</a:t>
+              <a:t>‹#›</a:t>
             </a:fld>
             <a:endParaRPr lang="en-US"/>
           </a:p>
@@ -1055,7 +1055,7 @@
           <a:p>
             <a:fld id="{84357196-18EA-461A-86F4-E2DEE28A9D5D}" type="datetimeFigureOut">
               <a:rPr lang="en-US" smtClean="0"/>
-              <a:t>12/6/2021</a:t>
+              <a:t>12/7/2021</a:t>
             </a:fld>
             <a:endParaRPr lang="en-US"/>
           </a:p>
@@ -1097,7 +1097,7 @@
           <a:p>
             <a:fld id="{1AADED3F-A815-44DB-A272-0EEF828F26E4}" type="slidenum">
               <a:rPr lang="en-US" smtClean="0"/>
-              <a:t>‹N°›</a:t>
+              <a:t>‹#›</a:t>
             </a:fld>
             <a:endParaRPr lang="en-US"/>
           </a:p>
@@ -1479,7 +1479,7 @@
           <a:p>
             <a:fld id="{84357196-18EA-461A-86F4-E2DEE28A9D5D}" type="datetimeFigureOut">
               <a:rPr lang="en-US" smtClean="0"/>
-              <a:t>12/6/2021</a:t>
+              <a:t>12/7/2021</a:t>
             </a:fld>
             <a:endParaRPr lang="en-US"/>
           </a:p>
@@ -1521,7 +1521,7 @@
           <a:p>
             <a:fld id="{1AADED3F-A815-44DB-A272-0EEF828F26E4}" type="slidenum">
               <a:rPr lang="en-US" smtClean="0"/>
-              <a:t>‹N°›</a:t>
+              <a:t>‹#›</a:t>
             </a:fld>
             <a:endParaRPr lang="en-US"/>
           </a:p>
@@ -2016,7 +2016,7 @@
           <a:p>
             <a:fld id="{84357196-18EA-461A-86F4-E2DEE28A9D5D}" type="datetimeFigureOut">
               <a:rPr lang="en-US" smtClean="0"/>
-              <a:t>12/6/2021</a:t>
+              <a:t>12/7/2021</a:t>
             </a:fld>
             <a:endParaRPr lang="en-US"/>
           </a:p>
@@ -2058,7 +2058,7 @@
           <a:p>
             <a:fld id="{1AADED3F-A815-44DB-A272-0EEF828F26E4}" type="slidenum">
               <a:rPr lang="en-US" smtClean="0"/>
-              <a:t>‹N°›</a:t>
+              <a:t>‹#›</a:t>
             </a:fld>
             <a:endParaRPr lang="en-US"/>
           </a:p>
@@ -2880,7 +2880,7 @@
           <a:p>
             <a:fld id="{84357196-18EA-461A-86F4-E2DEE28A9D5D}" type="datetimeFigureOut">
               <a:rPr lang="en-US" smtClean="0"/>
-              <a:t>12/6/2021</a:t>
+              <a:t>12/7/2021</a:t>
             </a:fld>
             <a:endParaRPr lang="en-US"/>
           </a:p>
@@ -2922,7 +2922,7 @@
           <a:p>
             <a:fld id="{1AADED3F-A815-44DB-A272-0EEF828F26E4}" type="slidenum">
               <a:rPr lang="en-US" smtClean="0"/>
-              <a:t>‹N°›</a:t>
+              <a:t>‹#›</a:t>
             </a:fld>
             <a:endParaRPr lang="en-US"/>
           </a:p>
@@ -3050,7 +3050,7 @@
           <a:p>
             <a:fld id="{84357196-18EA-461A-86F4-E2DEE28A9D5D}" type="datetimeFigureOut">
               <a:rPr lang="en-US" smtClean="0"/>
-              <a:t>12/6/2021</a:t>
+              <a:t>12/7/2021</a:t>
             </a:fld>
             <a:endParaRPr lang="en-US"/>
           </a:p>
@@ -3092,7 +3092,7 @@
           <a:p>
             <a:fld id="{1AADED3F-A815-44DB-A272-0EEF828F26E4}" type="slidenum">
               <a:rPr lang="en-US" smtClean="0"/>
-              <a:t>‹N°›</a:t>
+              <a:t>‹#›</a:t>
             </a:fld>
             <a:endParaRPr lang="en-US"/>
           </a:p>
@@ -3234,7 +3234,7 @@
           <a:p>
             <a:fld id="{84357196-18EA-461A-86F4-E2DEE28A9D5D}" type="datetimeFigureOut">
               <a:rPr lang="en-US" smtClean="0"/>
-              <a:t>12/6/2021</a:t>
+              <a:t>12/7/2021</a:t>
             </a:fld>
             <a:endParaRPr lang="en-US"/>
           </a:p>
@@ -3276,7 +3276,7 @@
           <a:p>
             <a:fld id="{1AADED3F-A815-44DB-A272-0EEF828F26E4}" type="slidenum">
               <a:rPr lang="en-US" smtClean="0"/>
-              <a:t>‹N°›</a:t>
+              <a:t>‹#›</a:t>
             </a:fld>
             <a:endParaRPr lang="en-US"/>
           </a:p>
@@ -3404,7 +3404,7 @@
           <a:p>
             <a:fld id="{84357196-18EA-461A-86F4-E2DEE28A9D5D}" type="datetimeFigureOut">
               <a:rPr lang="en-US" smtClean="0"/>
-              <a:t>12/6/2021</a:t>
+              <a:t>12/7/2021</a:t>
             </a:fld>
             <a:endParaRPr lang="en-US"/>
           </a:p>
@@ -3446,7 +3446,7 @@
           <a:p>
             <a:fld id="{1AADED3F-A815-44DB-A272-0EEF828F26E4}" type="slidenum">
               <a:rPr lang="en-US" smtClean="0"/>
-              <a:t>‹N°›</a:t>
+              <a:t>‹#›</a:t>
             </a:fld>
             <a:endParaRPr lang="en-US"/>
           </a:p>
@@ -3648,7 +3648,7 @@
           <a:p>
             <a:fld id="{84357196-18EA-461A-86F4-E2DEE28A9D5D}" type="datetimeFigureOut">
               <a:rPr lang="en-US" smtClean="0"/>
-              <a:t>12/6/2021</a:t>
+              <a:t>12/7/2021</a:t>
             </a:fld>
             <a:endParaRPr lang="en-US"/>
           </a:p>
@@ -3690,7 +3690,7 @@
           <a:p>
             <a:fld id="{1AADED3F-A815-44DB-A272-0EEF828F26E4}" type="slidenum">
               <a:rPr lang="en-US" smtClean="0"/>
-              <a:t>‹N°›</a:t>
+              <a:t>‹#›</a:t>
             </a:fld>
             <a:endParaRPr lang="en-US"/>
           </a:p>
@@ -3884,7 +3884,7 @@
           <a:p>
             <a:fld id="{84357196-18EA-461A-86F4-E2DEE28A9D5D}" type="datetimeFigureOut">
               <a:rPr lang="en-US" smtClean="0"/>
-              <a:t>12/6/2021</a:t>
+              <a:t>12/7/2021</a:t>
             </a:fld>
             <a:endParaRPr lang="en-US"/>
           </a:p>
@@ -3926,7 +3926,7 @@
           <a:p>
             <a:fld id="{1AADED3F-A815-44DB-A272-0EEF828F26E4}" type="slidenum">
               <a:rPr lang="en-US" smtClean="0"/>
-              <a:t>‹N°›</a:t>
+              <a:t>‹#›</a:t>
             </a:fld>
             <a:endParaRPr lang="en-US"/>
           </a:p>
@@ -4350,7 +4350,7 @@
           <a:p>
             <a:fld id="{84357196-18EA-461A-86F4-E2DEE28A9D5D}" type="datetimeFigureOut">
               <a:rPr lang="en-US" smtClean="0"/>
-              <a:t>12/6/2021</a:t>
+              <a:t>12/7/2021</a:t>
             </a:fld>
             <a:endParaRPr lang="en-US"/>
           </a:p>
@@ -4392,7 +4392,7 @@
           <a:p>
             <a:fld id="{1AADED3F-A815-44DB-A272-0EEF828F26E4}" type="slidenum">
               <a:rPr lang="en-US" smtClean="0"/>
-              <a:t>‹N°›</a:t>
+              <a:t>‹#›</a:t>
             </a:fld>
             <a:endParaRPr lang="en-US"/>
           </a:p>
@@ -4468,7 +4468,7 @@
           <a:p>
             <a:fld id="{84357196-18EA-461A-86F4-E2DEE28A9D5D}" type="datetimeFigureOut">
               <a:rPr lang="en-US" smtClean="0"/>
-              <a:t>12/6/2021</a:t>
+              <a:t>12/7/2021</a:t>
             </a:fld>
             <a:endParaRPr lang="en-US"/>
           </a:p>
@@ -4510,7 +4510,7 @@
           <a:p>
             <a:fld id="{1AADED3F-A815-44DB-A272-0EEF828F26E4}" type="slidenum">
               <a:rPr lang="en-US" smtClean="0"/>
-              <a:t>‹N°›</a:t>
+              <a:t>‹#›</a:t>
             </a:fld>
             <a:endParaRPr lang="en-US"/>
           </a:p>
@@ -4563,7 +4563,7 @@
           <a:p>
             <a:fld id="{84357196-18EA-461A-86F4-E2DEE28A9D5D}" type="datetimeFigureOut">
               <a:rPr lang="en-US" smtClean="0"/>
-              <a:t>12/6/2021</a:t>
+              <a:t>12/7/2021</a:t>
             </a:fld>
             <a:endParaRPr lang="en-US"/>
           </a:p>
@@ -4605,7 +4605,7 @@
           <a:p>
             <a:fld id="{1AADED3F-A815-44DB-A272-0EEF828F26E4}" type="slidenum">
               <a:rPr lang="en-US" smtClean="0"/>
-              <a:t>‹N°›</a:t>
+              <a:t>‹#›</a:t>
             </a:fld>
             <a:endParaRPr lang="en-US"/>
           </a:p>
@@ -4818,7 +4818,7 @@
           <a:p>
             <a:fld id="{84357196-18EA-461A-86F4-E2DEE28A9D5D}" type="datetimeFigureOut">
               <a:rPr lang="en-US" smtClean="0"/>
-              <a:t>12/6/2021</a:t>
+              <a:t>12/7/2021</a:t>
             </a:fld>
             <a:endParaRPr lang="en-US"/>
           </a:p>
@@ -4860,7 +4860,7 @@
           <a:p>
             <a:fld id="{1AADED3F-A815-44DB-A272-0EEF828F26E4}" type="slidenum">
               <a:rPr lang="en-US" smtClean="0"/>
-              <a:t>‹N°›</a:t>
+              <a:t>‹#›</a:t>
             </a:fld>
             <a:endParaRPr lang="en-US"/>
           </a:p>
@@ -5118,7 +5118,7 @@
           <a:p>
             <a:fld id="{84357196-18EA-461A-86F4-E2DEE28A9D5D}" type="datetimeFigureOut">
               <a:rPr lang="en-US" smtClean="0"/>
-              <a:t>12/6/2021</a:t>
+              <a:t>12/7/2021</a:t>
             </a:fld>
             <a:endParaRPr lang="en-US"/>
           </a:p>
@@ -5160,7 +5160,7 @@
           <a:p>
             <a:fld id="{1AADED3F-A815-44DB-A272-0EEF828F26E4}" type="slidenum">
               <a:rPr lang="en-US" smtClean="0"/>
-              <a:t>‹N°›</a:t>
+              <a:t>‹#›</a:t>
             </a:fld>
             <a:endParaRPr lang="en-US"/>
           </a:p>
@@ -5352,7 +5352,7 @@
           <a:p>
             <a:fld id="{84357196-18EA-461A-86F4-E2DEE28A9D5D}" type="datetimeFigureOut">
               <a:rPr lang="en-US" smtClean="0"/>
-              <a:t>12/6/2021</a:t>
+              <a:t>12/7/2021</a:t>
             </a:fld>
             <a:endParaRPr lang="en-US"/>
           </a:p>
@@ -5444,7 +5444,7 @@
           <a:p>
             <a:fld id="{1AADED3F-A815-44DB-A272-0EEF828F26E4}" type="slidenum">
               <a:rPr lang="en-US" smtClean="0"/>
-              <a:t>‹N°›</a:t>
+              <a:t>‹#›</a:t>
             </a:fld>
             <a:endParaRPr lang="en-US"/>
           </a:p>
@@ -6664,7 +6664,12 @@
             <p:ph idx="1"/>
           </p:nvPr>
         </p:nvSpPr>
-        <p:spPr/>
+        <p:spPr>
+          <a:xfrm>
+            <a:off x="913794" y="1732449"/>
+            <a:ext cx="11163905" cy="4058751"/>
+          </a:xfrm>
+        </p:spPr>
         <p:txBody>
           <a:bodyPr>
             <a:normAutofit/>
@@ -6673,7 +6678,7 @@
           <a:p>
             <a:r>
               <a:rPr lang="en-US" sz="2400" dirty="0"/>
-              <a:t>James K.	-GDD, World Designer, Text Dialogue, Programmer, </a:t>
+              <a:t>James K.	-Group manager, GDD, World Designer, Text Dialogue, Programmer, </a:t>
             </a:r>
           </a:p>
           <a:p>

--- a/Alpha presentation.pptx
+++ b/Alpha presentation.pptx
@@ -7409,8 +7409,12 @@
           </a:p>
           <a:p>
             <a:r>
-              <a:rPr lang="fr-FR" dirty="0" err="1"/>
-              <a:t>We</a:t>
+              <a:rPr lang="fr-FR" dirty="0"/>
+              <a:t>The collisions </a:t>
+            </a:r>
+            <a:r>
+              <a:rPr lang="fr-FR" dirty="0" err="1"/>
+              <a:t>still</a:t>
             </a:r>
             <a:r>
               <a:rPr lang="fr-FR" dirty="0"/>
@@ -7418,23 +7422,23 @@
             </a:r>
             <a:r>
               <a:rPr lang="fr-FR" dirty="0" err="1"/>
-              <a:t>took</a:t>
-            </a:r>
-            <a:r>
-              <a:rPr lang="fr-FR" dirty="0"/>
-              <a:t> over a </a:t>
-            </a:r>
-            <a:r>
-              <a:rPr lang="fr-FR" dirty="0" err="1"/>
-              <a:t>day</a:t>
-            </a:r>
-            <a:r>
-              <a:rPr lang="fr-FR" dirty="0"/>
-              <a:t> to figure the code </a:t>
-            </a:r>
-            <a:r>
-              <a:rPr lang="fr-FR" dirty="0" err="1"/>
-              <a:t>thaty</a:t>
+              <a:t>creeates</a:t>
+            </a:r>
+            <a:r>
+              <a:rPr lang="fr-FR" dirty="0"/>
+              <a:t> certain </a:t>
+            </a:r>
+            <a:r>
+              <a:rPr lang="fr-FR" dirty="0" err="1"/>
+              <a:t>problems</a:t>
+            </a:r>
+            <a:r>
+              <a:rPr lang="fr-FR" dirty="0"/>
+              <a:t>. It </a:t>
+            </a:r>
+            <a:r>
+              <a:rPr lang="fr-FR" dirty="0" err="1"/>
+              <a:t>still</a:t>
             </a:r>
             <a:r>
               <a:rPr lang="fr-FR" dirty="0"/>
@@ -7442,31 +7446,7 @@
             </a:r>
             <a:r>
               <a:rPr lang="fr-FR" dirty="0" err="1"/>
-              <a:t>allows</a:t>
-            </a:r>
-            <a:r>
-              <a:rPr lang="fr-FR" dirty="0"/>
-              <a:t> the main </a:t>
-            </a:r>
-            <a:r>
-              <a:rPr lang="fr-FR" dirty="0" err="1"/>
-              <a:t>character</a:t>
-            </a:r>
-            <a:r>
-              <a:rPr lang="fr-FR" dirty="0"/>
-              <a:t> to </a:t>
-            </a:r>
-            <a:r>
-              <a:rPr lang="fr-FR" dirty="0" err="1"/>
-              <a:t>stay</a:t>
-            </a:r>
-            <a:r>
-              <a:rPr lang="fr-FR" dirty="0"/>
-              <a:t> on top of the platform and not </a:t>
-            </a:r>
-            <a:r>
-              <a:rPr lang="fr-FR" dirty="0" err="1"/>
-              <a:t>make</a:t>
+              <a:t>does</a:t>
             </a:r>
             <a:r>
               <a:rPr lang="fr-FR" dirty="0"/>
@@ -7474,19 +7454,129 @@
             </a:r>
             <a:r>
               <a:rPr lang="fr-FR" dirty="0" err="1"/>
+              <a:t>work</a:t>
+            </a:r>
+            <a:r>
+              <a:rPr lang="fr-FR" dirty="0"/>
+              <a:t> as a </a:t>
+            </a:r>
+            <a:r>
+              <a:rPr lang="fr-FR" dirty="0" err="1"/>
+              <a:t>floor</a:t>
+            </a:r>
+            <a:r>
+              <a:rPr lang="fr-FR" dirty="0"/>
+              <a:t> but </a:t>
+            </a:r>
+            <a:r>
+              <a:rPr lang="fr-FR" dirty="0" err="1"/>
+              <a:t>teleports</a:t>
+            </a:r>
+            <a:r>
+              <a:rPr lang="fr-FR" dirty="0"/>
+              <a:t> </a:t>
+            </a:r>
+            <a:r>
+              <a:rPr lang="fr-FR" dirty="0" err="1"/>
+              <a:t>you</a:t>
+            </a:r>
+            <a:r>
+              <a:rPr lang="fr-FR" dirty="0"/>
+              <a:t> up </a:t>
+            </a:r>
+            <a:r>
+              <a:rPr lang="fr-FR" dirty="0" err="1"/>
+              <a:t>when</a:t>
+            </a:r>
+            <a:r>
+              <a:rPr lang="fr-FR" dirty="0"/>
+              <a:t> the </a:t>
+            </a:r>
+            <a:r>
+              <a:rPr lang="fr-FR" dirty="0" err="1"/>
+              <a:t>player</a:t>
+            </a:r>
+            <a:r>
+              <a:rPr lang="fr-FR" dirty="0"/>
+              <a:t> touches the </a:t>
+            </a:r>
+            <a:r>
+              <a:rPr lang="fr-FR" dirty="0" err="1"/>
+              <a:t>side</a:t>
+            </a:r>
+            <a:r>
+              <a:rPr lang="fr-FR" dirty="0"/>
+              <a:t> of </a:t>
+            </a:r>
+            <a:r>
+              <a:rPr lang="fr-FR" dirty="0" err="1"/>
               <a:t>it</a:t>
             </a:r>
             <a:r>
               <a:rPr lang="fr-FR" dirty="0"/>
-              <a:t> go </a:t>
-            </a:r>
-            <a:r>
-              <a:rPr lang="fr-FR" dirty="0" err="1"/>
-              <a:t>through</a:t>
-            </a:r>
-            <a:r>
-              <a:rPr lang="fr-FR" dirty="0"/>
               <a:t>.</a:t>
+            </a:r>
+          </a:p>
+          <a:p>
+            <a:r>
+              <a:rPr lang="fr-FR" dirty="0"/>
+              <a:t>The </a:t>
+            </a:r>
+            <a:r>
+              <a:rPr lang="fr-FR" dirty="0" err="1"/>
+              <a:t>health</a:t>
+            </a:r>
+            <a:r>
+              <a:rPr lang="fr-FR" dirty="0"/>
+              <a:t> bar </a:t>
+            </a:r>
+            <a:r>
+              <a:rPr lang="fr-FR" dirty="0" err="1"/>
+              <a:t>still</a:t>
+            </a:r>
+            <a:r>
+              <a:rPr lang="fr-FR" dirty="0"/>
+              <a:t> </a:t>
+            </a:r>
+            <a:r>
+              <a:rPr lang="fr-FR" dirty="0" err="1"/>
+              <a:t>encounters</a:t>
+            </a:r>
+            <a:r>
+              <a:rPr lang="fr-FR" dirty="0"/>
+              <a:t> </a:t>
+            </a:r>
+            <a:r>
+              <a:rPr lang="fr-FR" dirty="0" err="1"/>
+              <a:t>some</a:t>
+            </a:r>
+            <a:r>
+              <a:rPr lang="fr-FR" dirty="0"/>
+              <a:t> issues </a:t>
+            </a:r>
+            <a:r>
+              <a:rPr lang="fr-FR" dirty="0" err="1"/>
+              <a:t>with</a:t>
+            </a:r>
+            <a:r>
+              <a:rPr lang="fr-FR" dirty="0"/>
+              <a:t> </a:t>
+            </a:r>
+            <a:r>
+              <a:rPr lang="fr-FR" dirty="0" err="1"/>
+              <a:t>switching</a:t>
+            </a:r>
+            <a:r>
+              <a:rPr lang="fr-FR" dirty="0"/>
+              <a:t> </a:t>
+            </a:r>
+            <a:r>
+              <a:rPr lang="fr-FR" dirty="0" err="1"/>
+              <a:t>between</a:t>
+            </a:r>
+            <a:r>
+              <a:rPr lang="fr-FR" dirty="0"/>
+              <a:t> </a:t>
             </a:r>
           </a:p>
         </p:txBody>

--- a/Alpha presentation.pptx
+++ b/Alpha presentation.pptx
@@ -7428,12 +7428,8 @@
               <a:t> to figure the code </a:t>
             </a:r>
             <a:r>
-              <a:rPr lang="fr-FR" dirty="0" err="1"/>
-              <a:t>thaty</a:t>
-            </a:r>
-            <a:r>
-              <a:rPr lang="fr-FR" dirty="0"/>
-              <a:t> </a:t>
+              <a:rPr lang="fr-FR"/>
+              <a:t>that </a:t>
             </a:r>
             <a:r>
               <a:rPr lang="fr-FR" dirty="0" err="1"/>
